--- a/reunion_2_ep.pptx
+++ b/reunion_2_ep.pptx
@@ -16,6 +16,7 @@
     <p:sldId id="257" r:id="rId10"/>
     <p:sldId id="266" r:id="rId11"/>
     <p:sldId id="263" r:id="rId12"/>
+    <p:sldId id="267" r:id="rId13"/>
   </p:sldIdLst>
   <p:sldSz cx="12192000" cy="6858000"/>
   <p:notesSz cx="6858000" cy="9144000"/>
@@ -130,6 +131,7 @@
             <p14:sldId id="257"/>
             <p14:sldId id="266"/>
             <p14:sldId id="263"/>
+            <p14:sldId id="267"/>
           </p14:sldIdLst>
         </p14:section>
       </p14:sectionLst>
@@ -3488,7 +3490,7 @@
         </p:spPr>
         <p:txBody>
           <a:bodyPr>
-            <a:normAutofit fontScale="77500" lnSpcReduction="20000"/>
+            <a:normAutofit fontScale="62500" lnSpcReduction="20000"/>
           </a:bodyPr>
           <a:lstStyle/>
           <a:p>
@@ -3550,7 +3552,67 @@
               <a:rPr lang="es-ES_tradnl" dirty="0">
                 <a:latin typeface="IBM Plex Sans" panose="020B0503050203000203" pitchFamily="34" charset="0"/>
               </a:rPr>
-              <a:t>Artículo de inicio de campaña: ¿qué márgenes de voto y diputados tienen los partidos? ¿cuál es el gobierno resultante más probable? </a:t>
+              <a:t>Artículo de inicio de campaña: ¿qué márgenes de voto y diputados tienen los partidos? ¿cuál es el gobierno resultante más probable? Estrategias. Efecto </a:t>
+            </a:r>
+            <a:r>
+              <a:rPr lang="es-ES_tradnl" dirty="0" err="1">
+                <a:latin typeface="IBM Plex Sans" panose="020B0503050203000203" pitchFamily="34" charset="0"/>
+              </a:rPr>
+              <a:t>titanic</a:t>
+            </a:r>
+            <a:r>
+              <a:rPr lang="es-ES_tradnl" dirty="0">
+                <a:latin typeface="IBM Plex Sans" panose="020B0503050203000203" pitchFamily="34" charset="0"/>
+              </a:rPr>
+              <a:t>, </a:t>
+            </a:r>
+            <a:r>
+              <a:rPr lang="es-ES_tradnl" dirty="0" err="1">
+                <a:latin typeface="IBM Plex Sans" panose="020B0503050203000203" pitchFamily="34" charset="0"/>
+              </a:rPr>
+              <a:t>strategical</a:t>
+            </a:r>
+            <a:r>
+              <a:rPr lang="es-ES_tradnl" dirty="0">
+                <a:latin typeface="IBM Plex Sans" panose="020B0503050203000203" pitchFamily="34" charset="0"/>
+              </a:rPr>
+              <a:t> </a:t>
+            </a:r>
+            <a:r>
+              <a:rPr lang="es-ES_tradnl" dirty="0" err="1">
+                <a:latin typeface="IBM Plex Sans" panose="020B0503050203000203" pitchFamily="34" charset="0"/>
+              </a:rPr>
+              <a:t>ambiguity</a:t>
+            </a:r>
+            <a:r>
+              <a:rPr lang="es-ES_tradnl" dirty="0">
+                <a:latin typeface="IBM Plex Sans" panose="020B0503050203000203" pitchFamily="34" charset="0"/>
+              </a:rPr>
+              <a:t>, </a:t>
+            </a:r>
+            <a:r>
+              <a:rPr lang="es-ES_tradnl" dirty="0" err="1">
+                <a:latin typeface="IBM Plex Sans" panose="020B0503050203000203" pitchFamily="34" charset="0"/>
+              </a:rPr>
+              <a:t>coalition</a:t>
+            </a:r>
+            <a:r>
+              <a:rPr lang="es-ES_tradnl" dirty="0">
+                <a:latin typeface="IBM Plex Sans" panose="020B0503050203000203" pitchFamily="34" charset="0"/>
+              </a:rPr>
+              <a:t> </a:t>
+            </a:r>
+            <a:r>
+              <a:rPr lang="es-ES_tradnl" dirty="0" err="1">
+                <a:latin typeface="IBM Plex Sans" panose="020B0503050203000203" pitchFamily="34" charset="0"/>
+              </a:rPr>
+              <a:t>signals</a:t>
+            </a:r>
+            <a:r>
+              <a:rPr lang="es-ES_tradnl" dirty="0">
+                <a:latin typeface="IBM Plex Sans" panose="020B0503050203000203" pitchFamily="34" charset="0"/>
+              </a:rPr>
+              <a:t>…</a:t>
             </a:r>
           </a:p>
           <a:p>
@@ -3586,6 +3648,22 @@
                 <a:latin typeface="IBM Plex Sans" panose="020B0503050203000203" pitchFamily="34" charset="0"/>
               </a:rPr>
               <a:t>Elecciones: martes 4 de mayo</a:t>
+            </a:r>
+          </a:p>
+          <a:p>
+            <a:endParaRPr lang="es-ES_tradnl" i="1" dirty="0">
+              <a:latin typeface="IBM Plex Sans" panose="020B0503050203000203" pitchFamily="34" charset="0"/>
+            </a:endParaRPr>
+          </a:p>
+          <a:p>
+            <a:pPr marL="0" indent="0">
+              <a:buNone/>
+            </a:pPr>
+            <a:r>
+              <a:rPr lang="es-ES_tradnl" i="1" dirty="0">
+                <a:latin typeface="IBM Plex Sans" panose="020B0503050203000203" pitchFamily="34" charset="0"/>
+              </a:rPr>
+              <a:t>Newsletter semanal en la que </a:t>
             </a:r>
           </a:p>
         </p:txBody>
@@ -3630,6 +3708,153 @@
     <p:extLst>
       <p:ext uri="{BB962C8B-B14F-4D97-AF65-F5344CB8AC3E}">
         <p14:creationId xmlns:p14="http://schemas.microsoft.com/office/powerpoint/2010/main" val="2794840149"/>
+      </p:ext>
+    </p:extLst>
+  </p:cSld>
+  <p:clrMapOvr>
+    <a:masterClrMapping/>
+  </p:clrMapOvr>
+</p:sld>
+</file>
+
+<file path=ppt/slides/slide12.xml><?xml version="1.0" encoding="utf-8"?>
+<p:sld xmlns:a="http://schemas.openxmlformats.org/drawingml/2006/main" xmlns:r="http://schemas.openxmlformats.org/officeDocument/2006/relationships" xmlns:p="http://schemas.openxmlformats.org/presentationml/2006/main">
+  <p:cSld>
+    <p:spTree>
+      <p:nvGrpSpPr>
+        <p:cNvPr id="1" name=""/>
+        <p:cNvGrpSpPr/>
+        <p:nvPr/>
+      </p:nvGrpSpPr>
+      <p:grpSpPr>
+        <a:xfrm>
+          <a:off x="0" y="0"/>
+          <a:ext cx="0" cy="0"/>
+          <a:chOff x="0" y="0"/>
+          <a:chExt cx="0" cy="0"/>
+        </a:xfrm>
+      </p:grpSpPr>
+      <p:sp>
+        <p:nvSpPr>
+          <p:cNvPr id="5" name="Rectángulo 4">
+            <a:extLst>
+              <a:ext uri="{FF2B5EF4-FFF2-40B4-BE49-F238E27FC236}">
+                <a16:creationId xmlns:a16="http://schemas.microsoft.com/office/drawing/2014/main" id="{44883730-20B4-104C-AC82-257088657D47}"/>
+              </a:ext>
+            </a:extLst>
+          </p:cNvPr>
+          <p:cNvSpPr/>
+          <p:nvPr/>
+        </p:nvSpPr>
+        <p:spPr>
+          <a:xfrm>
+            <a:off x="1688123" y="386863"/>
+            <a:ext cx="9583616" cy="1107830"/>
+          </a:xfrm>
+          <a:prstGeom prst="rect">
+            <a:avLst/>
+          </a:prstGeom>
+          <a:solidFill>
+            <a:srgbClr val="4582ED"/>
+          </a:solidFill>
+          <a:ln>
+            <a:noFill/>
+          </a:ln>
+        </p:spPr>
+        <p:style>
+          <a:lnRef idx="2">
+            <a:schemeClr val="accent1">
+              <a:shade val="50000"/>
+            </a:schemeClr>
+          </a:lnRef>
+          <a:fillRef idx="1">
+            <a:schemeClr val="accent1"/>
+          </a:fillRef>
+          <a:effectRef idx="0">
+            <a:schemeClr val="accent1"/>
+          </a:effectRef>
+          <a:fontRef idx="minor">
+            <a:schemeClr val="lt1"/>
+          </a:fontRef>
+        </p:style>
+        <p:txBody>
+          <a:bodyPr rtlCol="0" anchor="ctr"/>
+          <a:lstStyle/>
+          <a:p>
+            <a:r>
+              <a:rPr lang="en-US" sz="4000" dirty="0">
+                <a:latin typeface="IBM Plex Sans" panose="020B0503050203000203" pitchFamily="34" charset="0"/>
+              </a:rPr>
+              <a:t>PREDI </a:t>
+            </a:r>
+            <a:r>
+              <a:rPr lang="en-US" dirty="0">
+                <a:latin typeface="IBM Plex Sans" panose="020B0503050203000203" pitchFamily="34" charset="0"/>
+              </a:rPr>
+              <a:t>by Alberto López</a:t>
+            </a:r>
+            <a:endParaRPr lang="en-US" sz="4000" dirty="0">
+              <a:latin typeface="IBM Plex Sans" panose="020B0503050203000203" pitchFamily="34" charset="0"/>
+            </a:endParaRPr>
+          </a:p>
+        </p:txBody>
+      </p:sp>
+      <p:sp>
+        <p:nvSpPr>
+          <p:cNvPr id="6" name="Rectángulo 5">
+            <a:extLst>
+              <a:ext uri="{FF2B5EF4-FFF2-40B4-BE49-F238E27FC236}">
+                <a16:creationId xmlns:a16="http://schemas.microsoft.com/office/drawing/2014/main" id="{EC427A65-F925-3A47-8F67-5CAA1FA6BA6D}"/>
+              </a:ext>
+            </a:extLst>
+          </p:cNvPr>
+          <p:cNvSpPr/>
+          <p:nvPr/>
+        </p:nvSpPr>
+        <p:spPr>
+          <a:xfrm>
+            <a:off x="1688122" y="1459523"/>
+            <a:ext cx="9566031" cy="4800599"/>
+          </a:xfrm>
+          <a:prstGeom prst="rect">
+            <a:avLst/>
+          </a:prstGeom>
+          <a:noFill/>
+          <a:ln>
+            <a:solidFill>
+              <a:srgbClr val="4582ED"/>
+            </a:solidFill>
+          </a:ln>
+        </p:spPr>
+        <p:style>
+          <a:lnRef idx="2">
+            <a:schemeClr val="accent1">
+              <a:shade val="50000"/>
+            </a:schemeClr>
+          </a:lnRef>
+          <a:fillRef idx="1">
+            <a:schemeClr val="accent1"/>
+          </a:fillRef>
+          <a:effectRef idx="0">
+            <a:schemeClr val="accent1"/>
+          </a:effectRef>
+          <a:fontRef idx="minor">
+            <a:schemeClr val="lt1"/>
+          </a:fontRef>
+        </p:style>
+        <p:txBody>
+          <a:bodyPr rtlCol="0" anchor="ctr"/>
+          <a:lstStyle/>
+          <a:p>
+            <a:pPr algn="ctr"/>
+            <a:endParaRPr lang="en-US" dirty="0"/>
+          </a:p>
+        </p:txBody>
+      </p:sp>
+    </p:spTree>
+    <p:extLst>
+      <p:ext uri="{BB962C8B-B14F-4D97-AF65-F5344CB8AC3E}">
+        <p14:creationId xmlns:p14="http://schemas.microsoft.com/office/powerpoint/2010/main" val="2445486527"/>
       </p:ext>
     </p:extLst>
   </p:cSld>
